--- a/lessflow/compare_overview.pptx
+++ b/lessflow/compare_overview.pptx
@@ -3334,11 +3334,7 @@
           <a:lstStyle/>
           <a:p>
             <a:pPr algn="ctr"/>
-            <a:r>
-              <a:rPr lang="en-US"/>
-              <a:t>ToR</a:t>
-            </a:r>
-            <a:endParaRPr/>
+            <a:endParaRPr dirty="0"/>
           </a:p>
         </p:txBody>
       </p:sp>
@@ -4121,11 +4117,7 @@
           <a:lstStyle/>
           <a:p>
             <a:pPr algn="ctr"/>
-            <a:r>
-              <a:rPr lang="en-US"/>
-              <a:t>ToR</a:t>
-            </a:r>
-            <a:endParaRPr/>
+            <a:endParaRPr dirty="0"/>
           </a:p>
         </p:txBody>
       </p:sp>
@@ -4860,11 +4852,7 @@
           <a:lstStyle/>
           <a:p>
             <a:pPr algn="ctr"/>
-            <a:r>
-              <a:rPr lang="en-US"/>
-              <a:t>ToR</a:t>
-            </a:r>
-            <a:endParaRPr/>
+            <a:endParaRPr dirty="0"/>
           </a:p>
         </p:txBody>
       </p:sp>
@@ -5603,11 +5591,7 @@
           <a:lstStyle/>
           <a:p>
             <a:pPr algn="ctr"/>
-            <a:r>
-              <a:rPr lang="en-US"/>
-              <a:t>ToR</a:t>
-            </a:r>
-            <a:endParaRPr/>
+            <a:endParaRPr dirty="0"/>
           </a:p>
         </p:txBody>
       </p:sp>

--- a/lessflow/compare_overview.pptx
+++ b/lessflow/compare_overview.pptx
@@ -3924,7 +3924,7 @@
                 <a:alpha val="100000"/>
               </a:srgbClr>
             </a:solidFill>
-            <a:prstDash val="dashDot"/>
+            <a:prstDash val="dash"/>
             <a:tailEnd type="triangle" w="med" len="med"/>
           </a:ln>
         </p:spPr>

--- a/lessflow/compare_overview.pptx
+++ b/lessflow/compare_overview.pptx
@@ -450,7 +450,7 @@
           <a:p>
             <a:fld id="{5D5F2C82-781A-4EDE-A3EF-3F2438FB9F31}" type="datetime1">
               <a:rPr lang="zh-SG" altLang="en-US"/>
-              <a:t>01/03/24</a:t>
+              <a:t>02/03/24</a:t>
             </a:fld>
             <a:endParaRPr lang="zh-CN" altLang="zh-CN"/>
           </a:p>
@@ -647,7 +647,7 @@
           <a:p>
             <a:fld id="{A5B82C61-D909-45A3-BA4D-6D6580355498}" type="datetime1">
               <a:rPr lang="zh-SG" altLang="en-US"/>
-              <a:t>01/03/24</a:t>
+              <a:t>02/03/24</a:t>
             </a:fld>
             <a:endParaRPr lang="zh-CN" altLang="zh-CN"/>
           </a:p>
@@ -907,7 +907,7 @@
           <a:p>
             <a:fld id="{1E2E82B7-6B5C-47FC-9723-F06795F43EA6}" type="datetime1">
               <a:rPr lang="zh-SG" altLang="en-US"/>
-              <a:t>01/03/24</a:t>
+              <a:t>02/03/24</a:t>
             </a:fld>
             <a:endParaRPr lang="zh-CN" altLang="zh-CN"/>
           </a:p>
@@ -1164,7 +1164,7 @@
           <a:p>
             <a:fld id="{4CEC58E8-DACA-4BE6-B257-D83C916C4624}" type="datetime1">
               <a:rPr lang="zh-SG" altLang="en-US"/>
-              <a:t>01/03/24</a:t>
+              <a:t>02/03/24</a:t>
             </a:fld>
             <a:endParaRPr lang="zh-CN" altLang="zh-CN"/>
           </a:p>
@@ -1563,7 +1563,7 @@
           <a:p>
             <a:fld id="{603D01A9-6636-4B38-8357-40A6314F4E6C}" type="datetime1">
               <a:rPr lang="zh-SG" altLang="en-US"/>
-              <a:t>01/03/24</a:t>
+              <a:t>02/03/24</a:t>
             </a:fld>
             <a:endParaRPr lang="zh-CN" altLang="zh-CN"/>
           </a:p>
@@ -1692,7 +1692,7 @@
           <a:p>
             <a:fld id="{948FBD87-ED0B-4F60-AF3B-0E0AD33A4811}" type="datetime1">
               <a:rPr lang="zh-SG" altLang="en-US"/>
-              <a:t>01/03/24</a:t>
+              <a:t>02/03/24</a:t>
             </a:fld>
             <a:endParaRPr lang="zh-CN" altLang="zh-CN"/>
           </a:p>
@@ -1794,7 +1794,7 @@
           <a:p>
             <a:fld id="{BE7DA814-644F-4697-8FE5-46D4A0F5BBB0}" type="datetime1">
               <a:rPr lang="zh-SG" altLang="en-US"/>
-              <a:t>01/03/24</a:t>
+              <a:t>02/03/24</a:t>
             </a:fld>
             <a:endParaRPr lang="zh-CN" altLang="zh-CN"/>
           </a:p>
@@ -2092,7 +2092,7 @@
           <a:p>
             <a:fld id="{56C93E30-C61A-46BA-B565-F0C97AF8078C}" type="datetime1">
               <a:rPr lang="zh-SG" altLang="en-US"/>
-              <a:t>01/03/24</a:t>
+              <a:t>02/03/24</a:t>
             </a:fld>
             <a:endParaRPr lang="zh-CN" altLang="zh-CN"/>
           </a:p>
@@ -2362,7 +2362,7 @@
           <a:p>
             <a:fld id="{7B927E94-0A4D-435C-8398-A30004961C83}" type="datetime1">
               <a:rPr lang="zh-SG" altLang="en-US"/>
-              <a:t>01/03/24</a:t>
+              <a:t>02/03/24</a:t>
             </a:fld>
             <a:endParaRPr lang="zh-CN" altLang="zh-CN"/>
           </a:p>
@@ -2551,7 +2551,7 @@
           <a:p>
             <a:fld id="{16D6CCCE-95A5-42F6-9454-C73F14042C7C}" type="datetime1">
               <a:rPr lang="zh-SG" altLang="en-US"/>
-              <a:t>01/03/24</a:t>
+              <a:t>02/03/24</a:t>
             </a:fld>
             <a:endParaRPr lang="zh-CN" altLang="zh-CN"/>
           </a:p>
@@ -2774,7 +2774,7 @@
           <a:p>
             <a:fld id="{258905A1-66A8-41B4-8500-45B6E353A19E}" type="datetime1">
               <a:rPr lang="zh-SG" altLang="en-US"/>
-              <a:t>01/03/24</a:t>
+              <a:t>02/03/24</a:t>
             </a:fld>
             <a:endParaRPr lang="zh-CN" altLang="zh-CN"/>
           </a:p>
@@ -5918,7 +5918,7 @@
         </p:nvSpPr>
         <p:spPr>
           <a:xfrm>
-            <a:off x="9760304" y="367429"/>
+            <a:off x="9802962" y="311844"/>
             <a:ext cx="2482850" cy="450850"/>
           </a:xfrm>
           <a:prstGeom prst="rect">

--- a/lessflow/compare_overview.pptx
+++ b/lessflow/compare_overview.pptx
@@ -450,7 +450,7 @@
           <a:p>
             <a:fld id="{5D5F2C82-781A-4EDE-A3EF-3F2438FB9F31}" type="datetime1">
               <a:rPr lang="zh-SG" altLang="en-US"/>
-              <a:t>02/03/24</a:t>
+              <a:t>04/03/24</a:t>
             </a:fld>
             <a:endParaRPr lang="zh-CN" altLang="zh-CN"/>
           </a:p>
@@ -647,7 +647,7 @@
           <a:p>
             <a:fld id="{A5B82C61-D909-45A3-BA4D-6D6580355498}" type="datetime1">
               <a:rPr lang="zh-SG" altLang="en-US"/>
-              <a:t>02/03/24</a:t>
+              <a:t>04/03/24</a:t>
             </a:fld>
             <a:endParaRPr lang="zh-CN" altLang="zh-CN"/>
           </a:p>
@@ -907,7 +907,7 @@
           <a:p>
             <a:fld id="{1E2E82B7-6B5C-47FC-9723-F06795F43EA6}" type="datetime1">
               <a:rPr lang="zh-SG" altLang="en-US"/>
-              <a:t>02/03/24</a:t>
+              <a:t>04/03/24</a:t>
             </a:fld>
             <a:endParaRPr lang="zh-CN" altLang="zh-CN"/>
           </a:p>
@@ -1164,7 +1164,7 @@
           <a:p>
             <a:fld id="{4CEC58E8-DACA-4BE6-B257-D83C916C4624}" type="datetime1">
               <a:rPr lang="zh-SG" altLang="en-US"/>
-              <a:t>02/03/24</a:t>
+              <a:t>04/03/24</a:t>
             </a:fld>
             <a:endParaRPr lang="zh-CN" altLang="zh-CN"/>
           </a:p>
@@ -1563,7 +1563,7 @@
           <a:p>
             <a:fld id="{603D01A9-6636-4B38-8357-40A6314F4E6C}" type="datetime1">
               <a:rPr lang="zh-SG" altLang="en-US"/>
-              <a:t>02/03/24</a:t>
+              <a:t>04/03/24</a:t>
             </a:fld>
             <a:endParaRPr lang="zh-CN" altLang="zh-CN"/>
           </a:p>
@@ -1692,7 +1692,7 @@
           <a:p>
             <a:fld id="{948FBD87-ED0B-4F60-AF3B-0E0AD33A4811}" type="datetime1">
               <a:rPr lang="zh-SG" altLang="en-US"/>
-              <a:t>02/03/24</a:t>
+              <a:t>04/03/24</a:t>
             </a:fld>
             <a:endParaRPr lang="zh-CN" altLang="zh-CN"/>
           </a:p>
@@ -1794,7 +1794,7 @@
           <a:p>
             <a:fld id="{BE7DA814-644F-4697-8FE5-46D4A0F5BBB0}" type="datetime1">
               <a:rPr lang="zh-SG" altLang="en-US"/>
-              <a:t>02/03/24</a:t>
+              <a:t>04/03/24</a:t>
             </a:fld>
             <a:endParaRPr lang="zh-CN" altLang="zh-CN"/>
           </a:p>
@@ -2092,7 +2092,7 @@
           <a:p>
             <a:fld id="{56C93E30-C61A-46BA-B565-F0C97AF8078C}" type="datetime1">
               <a:rPr lang="zh-SG" altLang="en-US"/>
-              <a:t>02/03/24</a:t>
+              <a:t>04/03/24</a:t>
             </a:fld>
             <a:endParaRPr lang="zh-CN" altLang="zh-CN"/>
           </a:p>
@@ -2362,7 +2362,7 @@
           <a:p>
             <a:fld id="{7B927E94-0A4D-435C-8398-A30004961C83}" type="datetime1">
               <a:rPr lang="zh-SG" altLang="en-US"/>
-              <a:t>02/03/24</a:t>
+              <a:t>04/03/24</a:t>
             </a:fld>
             <a:endParaRPr lang="zh-CN" altLang="zh-CN"/>
           </a:p>
@@ -2551,7 +2551,7 @@
           <a:p>
             <a:fld id="{16D6CCCE-95A5-42F6-9454-C73F14042C7C}" type="datetime1">
               <a:rPr lang="zh-SG" altLang="en-US"/>
-              <a:t>02/03/24</a:t>
+              <a:t>04/03/24</a:t>
             </a:fld>
             <a:endParaRPr lang="zh-CN" altLang="zh-CN"/>
           </a:p>
@@ -2774,7 +2774,7 @@
           <a:p>
             <a:fld id="{258905A1-66A8-41B4-8500-45B6E353A19E}" type="datetime1">
               <a:rPr lang="zh-SG" altLang="en-US"/>
-              <a:t>02/03/24</a:t>
+              <a:t>04/03/24</a:t>
             </a:fld>
             <a:endParaRPr lang="zh-CN" altLang="zh-CN"/>
           </a:p>
@@ -6804,7 +6804,7 @@
                   <a:schemeClr val="accent6"/>
                 </a:solidFill>
               </a:rPr>
-              <a:t>Inter-</a:t>
+              <a:t>Intra-</a:t>
             </a:r>
             <a:r>
               <a:rPr lang="en-US" altLang="zh-CN" dirty="0" err="1">
